--- a/Team A-1.pptx
+++ b/Team A-1.pptx
@@ -8366,39 +8366,6 @@
           </a:p>
         </p:txBody>
       </p:sp>
-      <p:pic>
-        <p:nvPicPr>
-          <p:cNvPr id="3" name="Content Placeholder 2">
-            <a:extLst>
-              <a:ext uri="{FF2B5EF4-FFF2-40B4-BE49-F238E27FC236}">
-                <a16:creationId xmlns:a16="http://schemas.microsoft.com/office/drawing/2014/main" id="{F6578A73-D112-6861-9A96-EA4E8ED0AE2C}"/>
-              </a:ext>
-            </a:extLst>
-          </p:cNvPr>
-          <p:cNvPicPr>
-            <a:picLocks noGrp="1"/>
-          </p:cNvPicPr>
-          <p:nvPr>
-            <p:ph idx="1"/>
-          </p:nvPr>
-        </p:nvPicPr>
-        <p:blipFill>
-          <a:blip r:embed="rId2"/>
-          <a:stretch/>
-        </p:blipFill>
-        <p:spPr>
-          <a:xfrm>
-            <a:off x="1140884" y="1107038"/>
-            <a:ext cx="9592732" cy="4128180"/>
-          </a:xfrm>
-          <a:prstGeom prst="rect">
-            <a:avLst/>
-          </a:prstGeom>
-          <a:ln w="0">
-            <a:noFill/>
-          </a:ln>
-        </p:spPr>
-      </p:pic>
       <p:sp>
         <p:nvSpPr>
           <p:cNvPr id="4" name="Content Placeholder 2">
@@ -8621,7 +8588,7 @@
           <p:nvPr/>
         </p:nvPicPr>
         <p:blipFill rotWithShape="1">
-          <a:blip r:embed="rId3"/>
+          <a:blip r:embed="rId2"/>
           <a:srcRect l="1625" t="24605" r="78751" b="18256"/>
           <a:stretch/>
         </p:blipFill>
@@ -8650,7 +8617,7 @@
           <p:nvPr/>
         </p:nvPicPr>
         <p:blipFill rotWithShape="1">
-          <a:blip r:embed="rId3"/>
+          <a:blip r:embed="rId2"/>
           <a:srcRect l="1625" t="24605" r="78751" b="18256"/>
           <a:stretch/>
         </p:blipFill>
@@ -8679,7 +8646,7 @@
           <p:nvPr/>
         </p:nvPicPr>
         <p:blipFill rotWithShape="1">
-          <a:blip r:embed="rId3"/>
+          <a:blip r:embed="rId2"/>
           <a:srcRect l="1625" t="24605" r="78751" b="18256"/>
           <a:stretch/>
         </p:blipFill>
@@ -8820,6 +8787,41 @@
           </a:p>
         </p:txBody>
       </p:sp>
+      <p:pic>
+        <p:nvPicPr>
+          <p:cNvPr id="17" name="Content Placeholder 16">
+            <a:extLst>
+              <a:ext uri="{FF2B5EF4-FFF2-40B4-BE49-F238E27FC236}">
+                <a16:creationId xmlns:a16="http://schemas.microsoft.com/office/drawing/2014/main" id="{FB862DF5-9DEE-819F-4B96-6CB3CB5B12E0}"/>
+              </a:ext>
+            </a:extLst>
+          </p:cNvPr>
+          <p:cNvPicPr>
+            <a:picLocks noGrp="1" noChangeAspect="1"/>
+          </p:cNvPicPr>
+          <p:nvPr>
+            <p:ph idx="1"/>
+          </p:nvPr>
+        </p:nvPicPr>
+        <p:blipFill>
+          <a:blip r:embed="rId3">
+            <a:extLst>
+              <a:ext uri="{28A0092B-C50C-407E-A947-70E740481C1C}">
+                <a14:useLocalDpi xmlns:a14="http://schemas.microsoft.com/office/drawing/2010/main" val="0"/>
+              </a:ext>
+            </a:extLst>
+          </a:blip>
+          <a:stretch>
+            <a:fillRect/>
+          </a:stretch>
+        </p:blipFill>
+        <p:spPr>
+          <a:xfrm>
+            <a:off x="328569" y="1096963"/>
+            <a:ext cx="11522162" cy="5395912"/>
+          </a:xfrm>
+        </p:spPr>
+      </p:pic>
     </p:spTree>
     <p:extLst>
       <p:ext uri="{BB962C8B-B14F-4D97-AF65-F5344CB8AC3E}">
